--- a/FinalMalware.pptx
+++ b/FinalMalware.pptx
@@ -4749,7 +4749,7 @@
             </a:r>
             <a:r>
               <a:rPr lang="en-US" sz="2000" dirty="0" smtClean="0"/>
-              <a:t>Rate (TP/(TP+FN)) = 93%</a:t>
+              <a:t>Rate (TP/(TP+FN)) = 92% (compared to 97.8%)</a:t>
             </a:r>
             <a:endParaRPr lang="en-US" sz="2000" dirty="0"/>
           </a:p>
@@ -4772,7 +4772,7 @@
             </a:r>
             <a:r>
               <a:rPr lang="en-US" sz="2000" dirty="0" smtClean="0"/>
-              <a:t>(FP/(TN+FP)) = 7%</a:t>
+              <a:t>(FP/(TN+FP)) = 7% (compared to 15.7%)</a:t>
             </a:r>
             <a:endParaRPr lang="en-US" sz="2000" dirty="0"/>
           </a:p>
@@ -4823,7 +4823,7 @@
             </a:pPr>
             <a:r>
               <a:rPr lang="en-US" sz="2000" dirty="0" smtClean="0"/>
-              <a:t>False Positives = 15/111 (13.5%)</a:t>
+              <a:t>False Positives = 19/111 (17.1%)</a:t>
             </a:r>
           </a:p>
           <a:p>
@@ -4886,7 +4886,7 @@
         </p:blipFill>
         <p:spPr>
           <a:xfrm>
-            <a:off x="8602582" y="1845734"/>
+            <a:off x="8850630" y="1856173"/>
             <a:ext cx="2305050" cy="2314575"/>
           </a:xfrm>
           <a:prstGeom prst="rect">
@@ -5419,7 +5419,7 @@
             </a:pPr>
             <a:r>
               <a:rPr lang="en-US" sz="2400" dirty="0" smtClean="0"/>
-              <a:t>Using simple machine learning techniques to detect android malware</a:t>
+              <a:t>Using machine learning techniques to detect android malware</a:t>
             </a:r>
           </a:p>
           <a:p>
@@ -5844,7 +5844,11 @@
             <a:pPr algn="ctr"/>
             <a:r>
               <a:rPr lang="en-US" dirty="0" smtClean="0"/>
-              <a:t>Potential Malware/</a:t>
+              <a:t>Potential Malware</a:t>
+            </a:r>
+            <a:r>
+              <a:rPr lang="en-US" dirty="0" smtClean="0"/>
+              <a:t>/ </a:t>
             </a:r>
             <a:r>
               <a:rPr lang="en-US" dirty="0" err="1" smtClean="0"/>
